--- a/EXERCISE 4 - NuSMV/EXERCISE 4 - NuSMV.pptx
+++ b/EXERCISE 4 - NuSMV/EXERCISE 4 - NuSMV.pptx
@@ -2,28 +2,28 @@
 <file path=ppt/presentation.xml><?xml version="1.0" encoding="utf-8"?>
 <p:presentation xmlns:a="http://schemas.openxmlformats.org/drawingml/2006/main" xmlns:r="http://schemas.openxmlformats.org/officeDocument/2006/relationships" xmlns:p="http://schemas.openxmlformats.org/presentationml/2006/main" saveSubsetFonts="1">
   <p:sldMasterIdLst>
-    <p:sldMasterId id="2147483648" r:id="rId1"/>
-    <p:sldMasterId id="2147483738" r:id="rId2"/>
+    <p:sldMasterId id="2147483648" r:id="rId4"/>
+    <p:sldMasterId id="2147483738" r:id="rId5"/>
   </p:sldMasterIdLst>
   <p:notesMasterIdLst>
-    <p:notesMasterId r:id="rId18"/>
+    <p:notesMasterId r:id="rId21"/>
   </p:notesMasterIdLst>
   <p:sldIdLst>
-    <p:sldId id="260" r:id="rId3"/>
-    <p:sldId id="257" r:id="rId4"/>
-    <p:sldId id="259" r:id="rId5"/>
-    <p:sldId id="262" r:id="rId6"/>
-    <p:sldId id="263" r:id="rId7"/>
-    <p:sldId id="264" r:id="rId8"/>
-    <p:sldId id="265" r:id="rId9"/>
-    <p:sldId id="266" r:id="rId10"/>
-    <p:sldId id="267" r:id="rId11"/>
-    <p:sldId id="269" r:id="rId12"/>
-    <p:sldId id="270" r:id="rId13"/>
-    <p:sldId id="271" r:id="rId14"/>
-    <p:sldId id="272" r:id="rId15"/>
-    <p:sldId id="273" r:id="rId16"/>
-    <p:sldId id="274" r:id="rId17"/>
+    <p:sldId id="260" r:id="rId6"/>
+    <p:sldId id="257" r:id="rId7"/>
+    <p:sldId id="259" r:id="rId8"/>
+    <p:sldId id="262" r:id="rId9"/>
+    <p:sldId id="263" r:id="rId10"/>
+    <p:sldId id="264" r:id="rId11"/>
+    <p:sldId id="265" r:id="rId12"/>
+    <p:sldId id="266" r:id="rId13"/>
+    <p:sldId id="267" r:id="rId14"/>
+    <p:sldId id="269" r:id="rId15"/>
+    <p:sldId id="270" r:id="rId16"/>
+    <p:sldId id="271" r:id="rId17"/>
+    <p:sldId id="272" r:id="rId18"/>
+    <p:sldId id="273" r:id="rId19"/>
+    <p:sldId id="274" r:id="rId20"/>
   </p:sldIdLst>
   <p:sldSz cx="12192000" cy="6858000"/>
   <p:notesSz cx="6858000" cy="9144000"/>
@@ -3590,6 +3590,9 @@
           <a:off x="0" y="1404266"/>
           <a:ext cx="6208271" cy="2156447"/>
         </a:xfrm>
+        <a:prstGeom prst="rect">
+          <a:avLst/>
+        </a:prstGeom>
         <a:solidFill>
           <a:schemeClr val="accent1">
             <a:alpha val="50000"/>
@@ -8901,7 +8904,7 @@
           <a:p>
             <a:fld id="{C2C41D55-9887-422F-846F-B58048E73309}" type="datetimeFigureOut">
               <a:rPr lang="it-IT" smtClean="0"/>
-              <a:t>29/11/2024</a:t>
+              <a:t>20/01/2025</a:t>
             </a:fld>
             <a:endParaRPr lang="it-IT"/>
           </a:p>
@@ -9399,7 +9402,7 @@
           <a:p>
             <a:fld id="{1929E1CF-717C-4137-9B0D-B04546CB79AE}" type="datetimeFigureOut">
               <a:rPr lang="it-IT" smtClean="0"/>
-              <a:t>29/11/2024</a:t>
+              <a:t>20/01/2025</a:t>
             </a:fld>
             <a:endParaRPr lang="it-IT"/>
           </a:p>
@@ -9597,7 +9600,7 @@
           <a:p>
             <a:fld id="{1929E1CF-717C-4137-9B0D-B04546CB79AE}" type="datetimeFigureOut">
               <a:rPr lang="it-IT" smtClean="0"/>
-              <a:t>29/11/2024</a:t>
+              <a:t>20/01/2025</a:t>
             </a:fld>
             <a:endParaRPr lang="it-IT"/>
           </a:p>
@@ -9805,7 +9808,7 @@
           <a:p>
             <a:fld id="{1929E1CF-717C-4137-9B0D-B04546CB79AE}" type="datetimeFigureOut">
               <a:rPr lang="it-IT" smtClean="0"/>
-              <a:t>29/11/2024</a:t>
+              <a:t>20/01/2025</a:t>
             </a:fld>
             <a:endParaRPr lang="it-IT"/>
           </a:p>
@@ -10004,7 +10007,7 @@
           <a:p>
             <a:fld id="{8F72BA41-EC5B-4197-BCC8-0FD2E523CD7A}" type="datetimeFigureOut">
               <a:rPr lang="en-US" smtClean="0"/>
-              <a:t>11/29/2024</a:t>
+              <a:t>1/20/2025</a:t>
             </a:fld>
             <a:endParaRPr lang="en-US"/>
           </a:p>
@@ -10202,7 +10205,7 @@
           <a:p>
             <a:fld id="{1929E1CF-717C-4137-9B0D-B04546CB79AE}" type="datetimeFigureOut">
               <a:rPr lang="it-IT" smtClean="0"/>
-              <a:t>29/11/2024</a:t>
+              <a:t>20/01/2025</a:t>
             </a:fld>
             <a:endParaRPr lang="it-IT"/>
           </a:p>
@@ -10477,7 +10480,7 @@
           <a:p>
             <a:fld id="{1929E1CF-717C-4137-9B0D-B04546CB79AE}" type="datetimeFigureOut">
               <a:rPr lang="it-IT" smtClean="0"/>
-              <a:t>29/11/2024</a:t>
+              <a:t>20/01/2025</a:t>
             </a:fld>
             <a:endParaRPr lang="it-IT"/>
           </a:p>
@@ -10742,7 +10745,7 @@
           <a:p>
             <a:fld id="{1929E1CF-717C-4137-9B0D-B04546CB79AE}" type="datetimeFigureOut">
               <a:rPr lang="it-IT" smtClean="0"/>
-              <a:t>29/11/2024</a:t>
+              <a:t>20/01/2025</a:t>
             </a:fld>
             <a:endParaRPr lang="it-IT"/>
           </a:p>
@@ -11154,7 +11157,7 @@
           <a:p>
             <a:fld id="{1929E1CF-717C-4137-9B0D-B04546CB79AE}" type="datetimeFigureOut">
               <a:rPr lang="it-IT" smtClean="0"/>
-              <a:t>29/11/2024</a:t>
+              <a:t>20/01/2025</a:t>
             </a:fld>
             <a:endParaRPr lang="it-IT"/>
           </a:p>
@@ -11295,7 +11298,7 @@
           <a:p>
             <a:fld id="{1929E1CF-717C-4137-9B0D-B04546CB79AE}" type="datetimeFigureOut">
               <a:rPr lang="it-IT" smtClean="0"/>
-              <a:t>29/11/2024</a:t>
+              <a:t>20/01/2025</a:t>
             </a:fld>
             <a:endParaRPr lang="it-IT"/>
           </a:p>
@@ -11408,7 +11411,7 @@
           <a:p>
             <a:fld id="{1929E1CF-717C-4137-9B0D-B04546CB79AE}" type="datetimeFigureOut">
               <a:rPr lang="it-IT" smtClean="0"/>
-              <a:t>29/11/2024</a:t>
+              <a:t>20/01/2025</a:t>
             </a:fld>
             <a:endParaRPr lang="it-IT"/>
           </a:p>
@@ -11719,7 +11722,7 @@
           <a:p>
             <a:fld id="{1929E1CF-717C-4137-9B0D-B04546CB79AE}" type="datetimeFigureOut">
               <a:rPr lang="it-IT" smtClean="0"/>
-              <a:t>29/11/2024</a:t>
+              <a:t>20/01/2025</a:t>
             </a:fld>
             <a:endParaRPr lang="it-IT"/>
           </a:p>
@@ -12007,7 +12010,7 @@
           <a:p>
             <a:fld id="{1929E1CF-717C-4137-9B0D-B04546CB79AE}" type="datetimeFigureOut">
               <a:rPr lang="it-IT" smtClean="0"/>
-              <a:t>29/11/2024</a:t>
+              <a:t>20/01/2025</a:t>
             </a:fld>
             <a:endParaRPr lang="it-IT"/>
           </a:p>
@@ -12248,7 +12251,7 @@
           <a:p>
             <a:fld id="{1929E1CF-717C-4137-9B0D-B04546CB79AE}" type="datetimeFigureOut">
               <a:rPr lang="it-IT" smtClean="0"/>
-              <a:t>29/11/2024</a:t>
+              <a:t>20/01/2025</a:t>
             </a:fld>
             <a:endParaRPr lang="it-IT"/>
           </a:p>
@@ -14269,7 +14272,7 @@
             <a:fld id="{8F72BA41-EC5B-4197-BCC8-0FD2E523CD7A}" type="datetimeFigureOut">
               <a:rPr lang="en-US" smtClean="0"/>
               <a:pPr/>
-              <a:t>11/29/2024</a:t>
+              <a:t>1/20/2025</a:t>
             </a:fld>
             <a:endParaRPr lang="en-US" dirty="0"/>
           </a:p>
@@ -44258,7 +44261,7 @@
         </p:blipFill>
         <p:spPr>
           <a:xfrm>
-            <a:off x="1192924" y="425769"/>
+            <a:off x="1192924" y="402619"/>
             <a:ext cx="9902199" cy="3563938"/>
           </a:xfrm>
         </p:spPr>
@@ -54015,15 +54018,6 @@
 </file>
 
 <file path=customXml/item2.xml><?xml version="1.0" encoding="utf-8"?>
-<?mso-contentType ?>
-<FormTemplates xmlns="http://schemas.microsoft.com/sharepoint/v3/contenttype/forms">
-  <Display>DocumentLibraryForm</Display>
-  <Edit>DocumentLibraryForm</Edit>
-  <New>DocumentLibraryForm</New>
-</FormTemplates>
-</file>
-
-<file path=customXml/item3.xml><?xml version="1.0" encoding="utf-8"?>
 <p:properties xmlns:p="http://schemas.microsoft.com/office/2006/metadata/properties" xmlns:xsi="http://www.w3.org/2001/XMLSchema-instance" xmlns:pc="http://schemas.microsoft.com/office/infopath/2007/PartnerControls">
   <documentManagement>
     <TaxCatchAll xmlns="1d1aad8c-881e-4e5d-aff1-9aba7dbcd899" xsi:nil="true"/>
@@ -54034,14 +54028,49 @@
 </p:properties>
 </file>
 
+<file path=customXml/item3.xml><?xml version="1.0" encoding="utf-8"?>
+<?mso-contentType ?>
+<FormTemplates xmlns="http://schemas.microsoft.com/sharepoint/v3/contenttype/forms">
+  <Display>DocumentLibraryForm</Display>
+  <Edit>DocumentLibraryForm</Edit>
+  <New>DocumentLibraryForm</New>
+</FormTemplates>
+</file>
+
 <file path=customXml/itemProps1.xml><?xml version="1.0" encoding="utf-8"?>
-<ds:datastoreItem xmlns:ds="http://schemas.openxmlformats.org/officeDocument/2006/customXml" ds:itemID="{BD156E37-D77B-45C1-80B9-E79D4753A635}"/>
+<ds:datastoreItem xmlns:ds="http://schemas.openxmlformats.org/officeDocument/2006/customXml" ds:itemID="{BD156E37-D77B-45C1-80B9-E79D4753A635}">
+  <ds:schemaRefs>
+    <ds:schemaRef ds:uri="http://schemas.microsoft.com/office/2006/metadata/contentType"/>
+    <ds:schemaRef ds:uri="http://schemas.microsoft.com/office/2006/metadata/properties/metaAttributes"/>
+    <ds:schemaRef ds:uri="http://www.w3.org/2001/XMLSchema"/>
+    <ds:schemaRef ds:uri="http://schemas.microsoft.com/office/2006/metadata/properties"/>
+    <ds:schemaRef ds:uri="0b4a4618-71d1-41fc-b0ea-1f051ae64862"/>
+    <ds:schemaRef ds:uri="1d1aad8c-881e-4e5d-aff1-9aba7dbcd899"/>
+    <ds:schemaRef ds:uri="http://schemas.microsoft.com/office/2006/documentManagement/types"/>
+    <ds:schemaRef ds:uri="http://schemas.microsoft.com/office/infopath/2007/PartnerControls"/>
+    <ds:schemaRef ds:uri="http://schemas.openxmlformats.org/package/2006/metadata/core-properties"/>
+    <ds:schemaRef ds:uri="http://purl.org/dc/elements/1.1/"/>
+    <ds:schemaRef ds:uri="http://purl.org/dc/terms/"/>
+    <ds:schemaRef ds:uri="http://schemas.microsoft.com/internal/obd"/>
+  </ds:schemaRefs>
+</ds:datastoreItem>
 </file>
 
 <file path=customXml/itemProps2.xml><?xml version="1.0" encoding="utf-8"?>
-<ds:datastoreItem xmlns:ds="http://schemas.openxmlformats.org/officeDocument/2006/customXml" ds:itemID="{238E04EC-3885-49F2-8E88-FD377EF4A639}"/>
+<ds:datastoreItem xmlns:ds="http://schemas.openxmlformats.org/officeDocument/2006/customXml" ds:itemID="{BD24CF53-8ED2-4559-ADD9-E2382FB2AD4D}">
+  <ds:schemaRefs>
+    <ds:schemaRef ds:uri="http://schemas.microsoft.com/office/2006/metadata/properties"/>
+    <ds:schemaRef ds:uri="http://schemas.microsoft.com/office/infopath/2007/PartnerControls"/>
+    <ds:schemaRef ds:uri="1d1aad8c-881e-4e5d-aff1-9aba7dbcd899"/>
+    <ds:schemaRef ds:uri="0b4a4618-71d1-41fc-b0ea-1f051ae64862"/>
+  </ds:schemaRefs>
+</ds:datastoreItem>
 </file>
 
 <file path=customXml/itemProps3.xml><?xml version="1.0" encoding="utf-8"?>
-<ds:datastoreItem xmlns:ds="http://schemas.openxmlformats.org/officeDocument/2006/customXml" ds:itemID="{BD24CF53-8ED2-4559-ADD9-E2382FB2AD4D}"/>
+<ds:datastoreItem xmlns:ds="http://schemas.openxmlformats.org/officeDocument/2006/customXml" ds:itemID="{238E04EC-3885-49F2-8E88-FD377EF4A639}">
+  <ds:schemaRefs>
+    <ds:schemaRef ds:uri="http://schemas.microsoft.com/sharepoint/v3/contenttype/forms"/>
+  </ds:schemaRefs>
+</ds:datastoreItem>
 </file>